--- a/AzureFunctions/AzureFunctions.pptx
+++ b/AzureFunctions/AzureFunctions.pptx
@@ -7,28 +7,30 @@
   </p:sldMasterIdLst>
   <p:sldIdLst>
     <p:sldId id="297" r:id="rId3"/>
-    <p:sldId id="266" r:id="rId4"/>
-    <p:sldId id="323" r:id="rId5"/>
-    <p:sldId id="340" r:id="rId6"/>
-    <p:sldId id="341" r:id="rId7"/>
-    <p:sldId id="338" r:id="rId8"/>
-    <p:sldId id="339" r:id="rId9"/>
-    <p:sldId id="337" r:id="rId10"/>
-    <p:sldId id="342" r:id="rId11"/>
-    <p:sldId id="335" r:id="rId12"/>
-    <p:sldId id="324" r:id="rId13"/>
-    <p:sldId id="325" r:id="rId14"/>
-    <p:sldId id="326" r:id="rId15"/>
-    <p:sldId id="327" r:id="rId16"/>
-    <p:sldId id="328" r:id="rId17"/>
-    <p:sldId id="329" r:id="rId18"/>
-    <p:sldId id="330" r:id="rId19"/>
-    <p:sldId id="336" r:id="rId20"/>
-    <p:sldId id="331" r:id="rId21"/>
-    <p:sldId id="332" r:id="rId22"/>
-    <p:sldId id="333" r:id="rId23"/>
-    <p:sldId id="334" r:id="rId24"/>
-    <p:sldId id="322" r:id="rId25"/>
+    <p:sldId id="344" r:id="rId4"/>
+    <p:sldId id="266" r:id="rId5"/>
+    <p:sldId id="323" r:id="rId6"/>
+    <p:sldId id="340" r:id="rId7"/>
+    <p:sldId id="341" r:id="rId8"/>
+    <p:sldId id="338" r:id="rId9"/>
+    <p:sldId id="339" r:id="rId10"/>
+    <p:sldId id="337" r:id="rId11"/>
+    <p:sldId id="342" r:id="rId12"/>
+    <p:sldId id="335" r:id="rId13"/>
+    <p:sldId id="324" r:id="rId14"/>
+    <p:sldId id="325" r:id="rId15"/>
+    <p:sldId id="326" r:id="rId16"/>
+    <p:sldId id="327" r:id="rId17"/>
+    <p:sldId id="328" r:id="rId18"/>
+    <p:sldId id="329" r:id="rId19"/>
+    <p:sldId id="330" r:id="rId20"/>
+    <p:sldId id="336" r:id="rId21"/>
+    <p:sldId id="331" r:id="rId22"/>
+    <p:sldId id="332" r:id="rId23"/>
+    <p:sldId id="333" r:id="rId24"/>
+    <p:sldId id="334" r:id="rId25"/>
+    <p:sldId id="343" r:id="rId26"/>
+    <p:sldId id="322" r:id="rId27"/>
   </p:sldIdLst>
   <p:sldSz cx="9144000" cy="5143500" type="screen16x9"/>
   <p:notesSz cx="6858000" cy="9144000"/>
@@ -29421,6 +29423,175 @@
           <a:p>
             <a:r>
               <a:rPr lang="de-AT" dirty="0"/>
+              <a:t>Dynamic App Service Plan</a:t>
+            </a:r>
+          </a:p>
+        </p:txBody>
+      </p:sp>
+      <p:sp>
+        <p:nvSpPr>
+          <p:cNvPr id="3" name="Content Placeholder 2"/>
+          <p:cNvSpPr>
+            <a:spLocks noGrp="1"/>
+          </p:cNvSpPr>
+          <p:nvPr>
+            <p:ph sz="quarter" idx="12"/>
+          </p:nvPr>
+        </p:nvSpPr>
+        <p:spPr/>
+        <p:txBody>
+          <a:bodyPr/>
+          <a:lstStyle/>
+          <a:p>
+            <a:r>
+              <a:rPr lang="en-US" dirty="0"/>
+              <a:t>Only pay for the time that your code spends running</a:t>
+            </a:r>
+          </a:p>
+          <a:p>
+            <a:pPr lvl="1"/>
+            <a:r>
+              <a:rPr lang="en-US" dirty="0">
+                <a:hlinkClick r:id="rId2"/>
+              </a:rPr>
+              <a:t>Functions pricing</a:t>
+            </a:r>
+            <a:r>
+              <a:rPr lang="en-US" dirty="0"/>
+              <a:t> (based on “GB-s”, “Gigabyte Seconds”)</a:t>
+            </a:r>
+          </a:p>
+          <a:p>
+            <a:pPr lvl="1"/>
+            <a:r>
+              <a:rPr lang="de-AT" sz="1200" i="1" dirty="0"/>
+              <a:t>„</a:t>
+            </a:r>
+            <a:r>
+              <a:rPr lang="en-US" sz="1200" i="1" dirty="0"/>
+              <a:t>nearest 100ms at Per/GB price based on the time your function runs and the memory size of the function space you choose”</a:t>
+            </a:r>
+            <a:endParaRPr lang="de-AT" sz="1200" i="1" dirty="0"/>
+          </a:p>
+        </p:txBody>
+      </p:sp>
+      <p:sp>
+        <p:nvSpPr>
+          <p:cNvPr id="4" name="Text Placeholder 3"/>
+          <p:cNvSpPr>
+            <a:spLocks noGrp="1"/>
+          </p:cNvSpPr>
+          <p:nvPr>
+            <p:ph type="body" sz="quarter" idx="23"/>
+          </p:nvPr>
+        </p:nvSpPr>
+        <p:spPr/>
+        <p:txBody>
+          <a:bodyPr/>
+          <a:lstStyle/>
+          <a:p>
+            <a:endParaRPr lang="de-AT"/>
+          </a:p>
+        </p:txBody>
+      </p:sp>
+      <p:pic>
+        <p:nvPicPr>
+          <p:cNvPr id="5" name="Picture 4"/>
+          <p:cNvPicPr>
+            <a:picLocks noChangeAspect="1"/>
+          </p:cNvPicPr>
+          <p:nvPr/>
+        </p:nvPicPr>
+        <p:blipFill>
+          <a:blip r:embed="rId3"/>
+          <a:stretch>
+            <a:fillRect/>
+          </a:stretch>
+        </p:blipFill>
+        <p:spPr>
+          <a:xfrm>
+            <a:off x="876300" y="2377711"/>
+            <a:ext cx="3871869" cy="2583449"/>
+          </a:xfrm>
+          <a:prstGeom prst="rect">
+            <a:avLst/>
+          </a:prstGeom>
+        </p:spPr>
+      </p:pic>
+      <p:pic>
+        <p:nvPicPr>
+          <p:cNvPr id="6" name="Picture 5"/>
+          <p:cNvPicPr>
+            <a:picLocks noChangeAspect="1"/>
+          </p:cNvPicPr>
+          <p:nvPr/>
+        </p:nvPicPr>
+        <p:blipFill>
+          <a:blip r:embed="rId4"/>
+          <a:stretch>
+            <a:fillRect/>
+          </a:stretch>
+        </p:blipFill>
+        <p:spPr>
+          <a:xfrm>
+            <a:off x="4840283" y="3527070"/>
+            <a:ext cx="4052198" cy="1434090"/>
+          </a:xfrm>
+          <a:prstGeom prst="rect">
+            <a:avLst/>
+          </a:prstGeom>
+        </p:spPr>
+      </p:pic>
+    </p:spTree>
+    <p:extLst>
+      <p:ext uri="{BB962C8B-B14F-4D97-AF65-F5344CB8AC3E}">
+        <p14:creationId xmlns:p14="http://schemas.microsoft.com/office/powerpoint/2010/main" val="48069054"/>
+      </p:ext>
+    </p:extLst>
+  </p:cSld>
+  <p:clrMapOvr>
+    <a:masterClrMapping/>
+  </p:clrMapOvr>
+  <p:transition spd="slow">
+    <p:push/>
+  </p:transition>
+</p:sld>
+</file>
+
+<file path=ppt/slides/slide11.xml><?xml version="1.0" encoding="utf-8"?>
+<p:sld xmlns:a="http://schemas.openxmlformats.org/drawingml/2006/main" xmlns:r="http://schemas.openxmlformats.org/officeDocument/2006/relationships" xmlns:p="http://schemas.openxmlformats.org/presentationml/2006/main">
+  <p:cSld>
+    <p:spTree>
+      <p:nvGrpSpPr>
+        <p:cNvPr id="1" name=""/>
+        <p:cNvGrpSpPr/>
+        <p:nvPr/>
+      </p:nvGrpSpPr>
+      <p:grpSpPr>
+        <a:xfrm>
+          <a:off x="0" y="0"/>
+          <a:ext cx="0" cy="0"/>
+          <a:chOff x="0" y="0"/>
+          <a:chExt cx="0" cy="0"/>
+        </a:xfrm>
+      </p:grpSpPr>
+      <p:sp>
+        <p:nvSpPr>
+          <p:cNvPr id="2" name="Title 1"/>
+          <p:cNvSpPr>
+            <a:spLocks noGrp="1"/>
+          </p:cNvSpPr>
+          <p:nvPr>
+            <p:ph type="title"/>
+          </p:nvPr>
+        </p:nvSpPr>
+        <p:spPr/>
+        <p:txBody>
+          <a:bodyPr/>
+          <a:lstStyle/>
+          <a:p>
+            <a:r>
+              <a:rPr lang="de-AT" dirty="0"/>
               <a:t>Demo</a:t>
             </a:r>
           </a:p>
@@ -29497,7 +29668,7 @@
 </p:sld>
 </file>
 
-<file path=ppt/slides/slide11.xml><?xml version="1.0" encoding="utf-8"?>
+<file path=ppt/slides/slide12.xml><?xml version="1.0" encoding="utf-8"?>
 <p:sld xmlns:a="http://schemas.openxmlformats.org/drawingml/2006/main" xmlns:r="http://schemas.openxmlformats.org/officeDocument/2006/relationships" xmlns:p="http://schemas.openxmlformats.org/presentationml/2006/main">
   <p:cSld>
     <p:spTree>
@@ -29625,7 +29796,7 @@
 </p:sld>
 </file>
 
-<file path=ppt/slides/slide12.xml><?xml version="1.0" encoding="utf-8"?>
+<file path=ppt/slides/slide13.xml><?xml version="1.0" encoding="utf-8"?>
 <p:sld xmlns:a="http://schemas.openxmlformats.org/drawingml/2006/main" xmlns:r="http://schemas.openxmlformats.org/officeDocument/2006/relationships" xmlns:p="http://schemas.openxmlformats.org/presentationml/2006/main">
   <p:cSld>
     <p:spTree>
@@ -30293,7 +30464,7 @@
 </p:sld>
 </file>
 
-<file path=ppt/slides/slide13.xml><?xml version="1.0" encoding="utf-8"?>
+<file path=ppt/slides/slide14.xml><?xml version="1.0" encoding="utf-8"?>
 <p:sld xmlns:a="http://schemas.openxmlformats.org/drawingml/2006/main" xmlns:r="http://schemas.openxmlformats.org/officeDocument/2006/relationships" xmlns:p="http://schemas.openxmlformats.org/presentationml/2006/main">
   <p:cSld>
     <p:spTree>
@@ -30918,7 +31089,7 @@
 </p:sld>
 </file>
 
-<file path=ppt/slides/slide14.xml><?xml version="1.0" encoding="utf-8"?>
+<file path=ppt/slides/slide15.xml><?xml version="1.0" encoding="utf-8"?>
 <p:sld xmlns:a="http://schemas.openxmlformats.org/drawingml/2006/main" xmlns:r="http://schemas.openxmlformats.org/officeDocument/2006/relationships" xmlns:p="http://schemas.openxmlformats.org/presentationml/2006/main">
   <p:cSld>
     <p:spTree>
@@ -31083,7 +31254,7 @@
 </p:sld>
 </file>
 
-<file path=ppt/slides/slide15.xml><?xml version="1.0" encoding="utf-8"?>
+<file path=ppt/slides/slide16.xml><?xml version="1.0" encoding="utf-8"?>
 <p:sld xmlns:a="http://schemas.openxmlformats.org/drawingml/2006/main" xmlns:r="http://schemas.openxmlformats.org/officeDocument/2006/relationships" xmlns:p="http://schemas.openxmlformats.org/presentationml/2006/main">
   <p:cSld>
     <p:spTree>
@@ -31144,6 +31315,26 @@
           <a:p>
             <a:r>
               <a:rPr lang="en-US" sz="1000" noProof="1"/>
+              <a:t># Get Token endpoint</a:t>
+            </a:r>
+          </a:p>
+          <a:p>
+            <a:r>
+              <a:rPr lang="en-US" sz="1000" noProof="1"/>
+              <a:t>GET </a:t>
+            </a:r>
+            <a:r>
+              <a:rPr lang="en-US" sz="900" noProof="1"/>
+              <a:t>https://login.microsoftonline.com/common/v2.0/.well-known/openid-configuration</a:t>
+            </a:r>
+            <a:endParaRPr lang="en-US" sz="1000" noProof="1"/>
+          </a:p>
+          <a:p>
+            <a:endParaRPr lang="en-US" sz="1000" noProof="1"/>
+          </a:p>
+          <a:p>
+            <a:r>
+              <a:rPr lang="en-US" sz="1000" noProof="1"/>
               <a:t># Get Access Token:</a:t>
             </a:r>
           </a:p>
@@ -31525,7 +31716,7 @@
         </p:blipFill>
         <p:spPr>
           <a:xfrm>
-            <a:off x="1169718" y="3131774"/>
+            <a:off x="1169718" y="3578814"/>
             <a:ext cx="6354319" cy="776571"/>
           </a:xfrm>
           <a:prstGeom prst="rect">
@@ -31541,7 +31732,7 @@
         </p:nvCxnSpPr>
         <p:spPr>
           <a:xfrm flipV="1">
-            <a:off x="3040083" y="2796632"/>
+            <a:off x="3040083" y="3243672"/>
             <a:ext cx="0" cy="815010"/>
           </a:xfrm>
           <a:prstGeom prst="straightConnector1">
@@ -31574,7 +31765,7 @@
         </p:nvSpPr>
         <p:spPr>
           <a:xfrm>
-            <a:off x="4463143" y="627462"/>
+            <a:off x="4463143" y="1054182"/>
             <a:ext cx="1628897" cy="253219"/>
           </a:xfrm>
           <a:prstGeom prst="accentCallout1">
@@ -31663,16 +31854,15 @@
           </p:cNvPicPr>
           <p:nvPr/>
         </p:nvPicPr>
-        <p:blipFill>
+        <p:blipFill rotWithShape="1">
           <a:blip r:embed="rId4"/>
-          <a:stretch>
-            <a:fillRect/>
-          </a:stretch>
+          <a:srcRect t="1" b="9488"/>
+          <a:stretch/>
         </p:blipFill>
         <p:spPr>
           <a:xfrm>
-            <a:off x="467543" y="3932422"/>
-            <a:ext cx="7056493" cy="799736"/>
+            <a:off x="467543" y="4379462"/>
+            <a:ext cx="7056493" cy="723856"/>
           </a:xfrm>
           <a:prstGeom prst="rect">
             <a:avLst/>
@@ -31695,7 +31885,7 @@
 </p:sld>
 </file>
 
-<file path=ppt/slides/slide16.xml><?xml version="1.0" encoding="utf-8"?>
+<file path=ppt/slides/slide17.xml><?xml version="1.0" encoding="utf-8"?>
 <p:sld xmlns:a="http://schemas.openxmlformats.org/drawingml/2006/main" xmlns:r="http://schemas.openxmlformats.org/officeDocument/2006/relationships" xmlns:p="http://schemas.openxmlformats.org/presentationml/2006/main">
   <p:cSld>
     <p:spTree>
@@ -32071,7 +32261,7 @@
 </p:sld>
 </file>
 
-<file path=ppt/slides/slide17.xml><?xml version="1.0" encoding="utf-8"?>
+<file path=ppt/slides/slide18.xml><?xml version="1.0" encoding="utf-8"?>
 <p:sld xmlns:a="http://schemas.openxmlformats.org/drawingml/2006/main" xmlns:r="http://schemas.openxmlformats.org/officeDocument/2006/relationships" xmlns:p="http://schemas.openxmlformats.org/presentationml/2006/main">
   <p:cSld>
     <p:spTree>
@@ -32370,7 +32560,7 @@
 </p:sld>
 </file>
 
-<file path=ppt/slides/slide18.xml><?xml version="1.0" encoding="utf-8"?>
+<file path=ppt/slides/slide19.xml><?xml version="1.0" encoding="utf-8"?>
 <p:sld xmlns:a="http://schemas.openxmlformats.org/drawingml/2006/main" xmlns:r="http://schemas.openxmlformats.org/officeDocument/2006/relationships" xmlns:p="http://schemas.openxmlformats.org/presentationml/2006/main">
   <p:cSld>
     <p:spTree>
@@ -32472,7 +32662,171 @@
 </p:sld>
 </file>
 
-<file path=ppt/slides/slide19.xml><?xml version="1.0" encoding="utf-8"?>
+<file path=ppt/slides/slide2.xml><?xml version="1.0" encoding="utf-8"?>
+<p:sld xmlns:a="http://schemas.openxmlformats.org/drawingml/2006/main" xmlns:r="http://schemas.openxmlformats.org/officeDocument/2006/relationships" xmlns:p="http://schemas.openxmlformats.org/presentationml/2006/main">
+  <p:cSld>
+    <p:spTree>
+      <p:nvGrpSpPr>
+        <p:cNvPr id="1" name=""/>
+        <p:cNvGrpSpPr/>
+        <p:nvPr/>
+      </p:nvGrpSpPr>
+      <p:grpSpPr>
+        <a:xfrm>
+          <a:off x="0" y="0"/>
+          <a:ext cx="0" cy="0"/>
+          <a:chOff x="0" y="0"/>
+          <a:chExt cx="0" cy="0"/>
+        </a:xfrm>
+      </p:grpSpPr>
+      <p:sp>
+        <p:nvSpPr>
+          <p:cNvPr id="4" name="Title 3"/>
+          <p:cNvSpPr>
+            <a:spLocks noGrp="1"/>
+          </p:cNvSpPr>
+          <p:nvPr>
+            <p:ph type="title"/>
+          </p:nvPr>
+        </p:nvSpPr>
+        <p:spPr/>
+        <p:txBody>
+          <a:bodyPr/>
+          <a:lstStyle/>
+          <a:p>
+            <a:r>
+              <a:rPr lang="de-AT" dirty="0"/>
+              <a:t>Agenda </a:t>
+            </a:r>
+            <a:r>
+              <a:rPr lang="de-AT"/>
+              <a:t>(German)</a:t>
+            </a:r>
+            <a:endParaRPr lang="de-AT" dirty="0"/>
+          </a:p>
+        </p:txBody>
+      </p:sp>
+      <p:sp>
+        <p:nvSpPr>
+          <p:cNvPr id="5" name="Content Placeholder 4"/>
+          <p:cNvSpPr>
+            <a:spLocks noGrp="1"/>
+          </p:cNvSpPr>
+          <p:nvPr>
+            <p:ph sz="quarter" idx="12"/>
+          </p:nvPr>
+        </p:nvSpPr>
+        <p:spPr/>
+        <p:txBody>
+          <a:bodyPr/>
+          <a:lstStyle/>
+          <a:p>
+            <a:pPr marL="6900" indent="0">
+              <a:buNone/>
+            </a:pPr>
+            <a:r>
+              <a:rPr lang="de-AT" sz="1600" dirty="0" err="1"/>
+              <a:t>Microservices</a:t>
+            </a:r>
+            <a:r>
+              <a:rPr lang="de-AT" sz="1600" dirty="0"/>
+              <a:t> schön und gut, aber Kunden wollen funktionierende Gesamtsysteme. Wenn ein Bug in VSTS angelegt wird, muss eine Message in </a:t>
+            </a:r>
+            <a:r>
+              <a:rPr lang="de-AT" sz="1600" dirty="0" err="1"/>
+              <a:t>Slack</a:t>
+            </a:r>
+            <a:r>
+              <a:rPr lang="de-AT" sz="1600" dirty="0"/>
+              <a:t> erscheinen und ein Task in der Zeiterfassung eingetragen werden. Wenn das Web-UI eine neue Bestellung meldet, muss jemand im SaaS-ERP den Produktionsauftrag generieren. Bis vor kurzem übernahmen Worker-Prozesse/Container/Jobs diese Aufgabe. Jetzt lernt Azure neue Tricks: Azure </a:t>
+            </a:r>
+            <a:r>
+              <a:rPr lang="de-AT" sz="1600" dirty="0" err="1"/>
+              <a:t>Functions</a:t>
+            </a:r>
+            <a:r>
+              <a:rPr lang="de-AT" sz="1600" dirty="0"/>
+              <a:t> erlauben es, kleine Code-Stücke in der Cloud zu hosten, die durch Events wie HTTP-</a:t>
+            </a:r>
+            <a:r>
+              <a:rPr lang="de-AT" sz="1600" dirty="0" err="1"/>
+              <a:t>Requests</a:t>
+            </a:r>
+            <a:r>
+              <a:rPr lang="de-AT" sz="1600" dirty="0"/>
+              <a:t>, Queue-Einträge etc. gestartet werden. In Verbindung mit </a:t>
+            </a:r>
+            <a:r>
+              <a:rPr lang="de-AT" sz="1600" dirty="0" err="1"/>
+              <a:t>Webhooks</a:t>
+            </a:r>
+            <a:r>
+              <a:rPr lang="de-AT" sz="1600" dirty="0"/>
+              <a:t> und </a:t>
+            </a:r>
+            <a:r>
+              <a:rPr lang="de-AT" sz="1600" dirty="0" err="1"/>
+              <a:t>RESTful</a:t>
+            </a:r>
+            <a:r>
+              <a:rPr lang="de-AT" sz="1600" dirty="0"/>
+              <a:t> Web APIs wird die Integration verschiedener SaaS-Lösungen zu einem Gesamtsystem wesentlich erleichtert. In der Session stellt Rainer Stropek, langjähriger Azure MVP und MS Regional </a:t>
+            </a:r>
+            <a:r>
+              <a:rPr lang="de-AT" sz="1600" dirty="0" err="1"/>
+              <a:t>Director</a:t>
+            </a:r>
+            <a:r>
+              <a:rPr lang="de-AT" sz="1600" dirty="0"/>
+              <a:t>, Azure </a:t>
+            </a:r>
+            <a:r>
+              <a:rPr lang="de-AT" sz="1600" dirty="0" err="1"/>
+              <a:t>Functions</a:t>
+            </a:r>
+            <a:r>
+              <a:rPr lang="de-AT" sz="1600" dirty="0"/>
+              <a:t> vor, zeigt sie anhand einiger Demos und erklärt das Betriebs- und Preismodell</a:t>
+            </a:r>
+          </a:p>
+        </p:txBody>
+      </p:sp>
+      <p:sp>
+        <p:nvSpPr>
+          <p:cNvPr id="6" name="Text Placeholder 5"/>
+          <p:cNvSpPr>
+            <a:spLocks noGrp="1"/>
+          </p:cNvSpPr>
+          <p:nvPr>
+            <p:ph type="body" sz="quarter" idx="23"/>
+          </p:nvPr>
+        </p:nvSpPr>
+        <p:spPr/>
+        <p:txBody>
+          <a:bodyPr/>
+          <a:lstStyle/>
+          <a:p>
+            <a:endParaRPr lang="de-AT"/>
+          </a:p>
+        </p:txBody>
+      </p:sp>
+    </p:spTree>
+    <p:extLst>
+      <p:ext uri="{BB962C8B-B14F-4D97-AF65-F5344CB8AC3E}">
+        <p14:creationId xmlns:p14="http://schemas.microsoft.com/office/powerpoint/2010/main" val="2679687454"/>
+      </p:ext>
+    </p:extLst>
+  </p:cSld>
+  <p:clrMapOvr>
+    <a:masterClrMapping/>
+  </p:clrMapOvr>
+  <p:transition spd="slow">
+    <p:push/>
+  </p:transition>
+</p:sld>
+</file>
+
+<file path=ppt/slides/slide20.xml><?xml version="1.0" encoding="utf-8"?>
 <p:sld xmlns:a="http://schemas.openxmlformats.org/drawingml/2006/main" xmlns:r="http://schemas.openxmlformats.org/officeDocument/2006/relationships" xmlns:p="http://schemas.openxmlformats.org/presentationml/2006/main">
   <p:cSld>
     <p:spTree>
@@ -32623,219 +32977,7 @@
 </p:sld>
 </file>
 
-<file path=ppt/slides/slide2.xml><?xml version="1.0" encoding="utf-8"?>
-<p:sld xmlns:a="http://schemas.openxmlformats.org/drawingml/2006/main" xmlns:r="http://schemas.openxmlformats.org/officeDocument/2006/relationships" xmlns:p="http://schemas.openxmlformats.org/presentationml/2006/main" showMasterPhAnim="0">
-  <p:cSld>
-    <p:spTree>
-      <p:nvGrpSpPr>
-        <p:cNvPr id="1" name=""/>
-        <p:cNvGrpSpPr/>
-        <p:nvPr/>
-      </p:nvGrpSpPr>
-      <p:grpSpPr>
-        <a:xfrm>
-          <a:off x="0" y="0"/>
-          <a:ext cx="0" cy="0"/>
-          <a:chOff x="0" y="0"/>
-          <a:chExt cx="0" cy="0"/>
-        </a:xfrm>
-      </p:grpSpPr>
-      <p:sp>
-        <p:nvSpPr>
-          <p:cNvPr id="2" name="Titel 1"/>
-          <p:cNvSpPr>
-            <a:spLocks noGrp="1"/>
-          </p:cNvSpPr>
-          <p:nvPr>
-            <p:ph type="title"/>
-          </p:nvPr>
-        </p:nvSpPr>
-        <p:spPr/>
-        <p:txBody>
-          <a:bodyPr/>
-          <a:lstStyle/>
-          <a:p>
-            <a:r>
-              <a:rPr lang="en-US" dirty="0"/>
-              <a:t>Your Host</a:t>
-            </a:r>
-          </a:p>
-        </p:txBody>
-      </p:sp>
-      <p:sp>
-        <p:nvSpPr>
-          <p:cNvPr id="3" name="Inhaltsplatzhalter 2"/>
-          <p:cNvSpPr>
-            <a:spLocks noGrp="1"/>
-          </p:cNvSpPr>
-          <p:nvPr>
-            <p:ph sz="quarter" idx="12"/>
-          </p:nvPr>
-        </p:nvSpPr>
-        <p:spPr/>
-        <p:txBody>
-          <a:bodyPr/>
-          <a:lstStyle/>
-          <a:p>
-            <a:r>
-              <a:rPr lang="en-US" dirty="0"/>
-              <a:t>Rainer Stropek</a:t>
-            </a:r>
-          </a:p>
-          <a:p>
-            <a:pPr lvl="1"/>
-            <a:r>
-              <a:rPr lang="en-US" dirty="0"/>
-              <a:t>Developer, Entrepreneur</a:t>
-            </a:r>
-          </a:p>
-          <a:p>
-            <a:pPr lvl="1"/>
-            <a:r>
-              <a:rPr lang="en-US" dirty="0"/>
-              <a:t>Azure MVP, MS Regional Director</a:t>
-            </a:r>
-          </a:p>
-          <a:p>
-            <a:pPr lvl="1"/>
-            <a:r>
-              <a:rPr lang="en-US" dirty="0"/>
-              <a:t>IT-Visions</a:t>
-            </a:r>
-          </a:p>
-          <a:p>
-            <a:r>
-              <a:rPr lang="en-US" dirty="0"/>
-              <a:t>Contact</a:t>
-            </a:r>
-          </a:p>
-          <a:p>
-            <a:pPr lvl="1"/>
-            <a:r>
-              <a:rPr lang="en-US" dirty="0"/>
-              <a:t>software architects </a:t>
-            </a:r>
-            <a:r>
-              <a:rPr lang="en-US" dirty="0" err="1"/>
-              <a:t>gmbh</a:t>
-            </a:r>
-            <a:br>
-              <a:rPr lang="en-US" dirty="0"/>
-            </a:br>
-            <a:r>
-              <a:rPr lang="en-US" dirty="0">
-                <a:hlinkClick r:id="rId2"/>
-              </a:rPr>
-              <a:t>rainer@timecockpit.com</a:t>
-            </a:r>
-            <a:br>
-              <a:rPr lang="en-US" dirty="0"/>
-            </a:br>
-            <a:r>
-              <a:rPr lang="en-US" dirty="0"/>
-              <a:t>Twitter: @</a:t>
-            </a:r>
-            <a:r>
-              <a:rPr lang="en-US" dirty="0" err="1"/>
-              <a:t>rstropek</a:t>
-            </a:r>
-            <a:endParaRPr lang="en-US" dirty="0"/>
-          </a:p>
-        </p:txBody>
-      </p:sp>
-      <p:pic>
-        <p:nvPicPr>
-          <p:cNvPr id="16" name="Inhaltsplatzhalter 15"/>
-          <p:cNvPicPr>
-            <a:picLocks noGrp="1" noChangeAspect="1"/>
-          </p:cNvPicPr>
-          <p:nvPr>
-            <p:ph sz="quarter" idx="13"/>
-          </p:nvPr>
-        </p:nvPicPr>
-        <p:blipFill>
-          <a:blip r:embed="rId3" cstate="email">
-            <a:extLst>
-              <a:ext uri="{28A0092B-C50C-407E-A947-70E740481C1C}">
-                <a14:useLocalDpi xmlns:a14="http://schemas.microsoft.com/office/drawing/2010/main" val="0"/>
-              </a:ext>
-            </a:extLst>
-          </a:blip>
-          <a:stretch>
-            <a:fillRect/>
-          </a:stretch>
-        </p:blipFill>
-        <p:spPr>
-          <a:xfrm>
-            <a:off x="5076131" y="1275607"/>
-            <a:ext cx="3240285" cy="2160190"/>
-          </a:xfrm>
-        </p:spPr>
-      </p:pic>
-      <p:sp>
-        <p:nvSpPr>
-          <p:cNvPr id="20" name="Textplatzhalter 19"/>
-          <p:cNvSpPr>
-            <a:spLocks noGrp="1"/>
-          </p:cNvSpPr>
-          <p:nvPr>
-            <p:ph type="body" sz="quarter" idx="23"/>
-          </p:nvPr>
-        </p:nvSpPr>
-        <p:spPr/>
-        <p:txBody>
-          <a:bodyPr/>
-          <a:lstStyle/>
-          <a:p>
-            <a:endParaRPr lang="en-US"/>
-          </a:p>
-        </p:txBody>
-      </p:sp>
-      <p:sp>
-        <p:nvSpPr>
-          <p:cNvPr id="21" name="Textplatzhalter 20"/>
-          <p:cNvSpPr>
-            <a:spLocks noGrp="1"/>
-          </p:cNvSpPr>
-          <p:nvPr>
-            <p:ph type="body" sz="quarter" idx="24"/>
-          </p:nvPr>
-        </p:nvSpPr>
-        <p:spPr/>
-        <p:txBody>
-          <a:bodyPr/>
-          <a:lstStyle/>
-          <a:p>
-            <a:endParaRPr lang="en-US"/>
-          </a:p>
-        </p:txBody>
-      </p:sp>
-    </p:spTree>
-    <p:extLst>
-      <p:ext uri="{BB962C8B-B14F-4D97-AF65-F5344CB8AC3E}">
-        <p14:creationId xmlns:p14="http://schemas.microsoft.com/office/powerpoint/2010/main" val="3721104785"/>
-      </p:ext>
-    </p:extLst>
-  </p:cSld>
-  <p:clrMapOvr>
-    <a:masterClrMapping/>
-  </p:clrMapOvr>
-  <mc:AlternateContent xmlns:mc="http://schemas.openxmlformats.org/markup-compatibility/2006" xmlns:p14="http://schemas.microsoft.com/office/powerpoint/2010/main">
-    <mc:Choice Requires="p14">
-      <p:transition spd="med" p14:dur="700">
-        <p:fade/>
-      </p:transition>
-    </mc:Choice>
-    <mc:Fallback xmlns="">
-      <p:transition spd="med">
-        <p:fade/>
-      </p:transition>
-    </mc:Fallback>
-  </mc:AlternateContent>
-</p:sld>
-</file>
-
-<file path=ppt/slides/slide20.xml><?xml version="1.0" encoding="utf-8"?>
+<file path=ppt/slides/slide21.xml><?xml version="1.0" encoding="utf-8"?>
 <p:sld xmlns:a="http://schemas.openxmlformats.org/drawingml/2006/main" xmlns:r="http://schemas.openxmlformats.org/officeDocument/2006/relationships" xmlns:p="http://schemas.openxmlformats.org/presentationml/2006/main">
   <p:cSld>
     <p:spTree>
@@ -32998,7 +33140,7 @@
 </p:sld>
 </file>
 
-<file path=ppt/slides/slide21.xml><?xml version="1.0" encoding="utf-8"?>
+<file path=ppt/slides/slide22.xml><?xml version="1.0" encoding="utf-8"?>
 <p:sld xmlns:a="http://schemas.openxmlformats.org/drawingml/2006/main" xmlns:r="http://schemas.openxmlformats.org/officeDocument/2006/relationships" xmlns:p="http://schemas.openxmlformats.org/presentationml/2006/main">
   <p:cSld>
     <p:spTree>
@@ -33419,7 +33561,7 @@
 </p:sld>
 </file>
 
-<file path=ppt/slides/slide22.xml><?xml version="1.0" encoding="utf-8"?>
+<file path=ppt/slides/slide23.xml><?xml version="1.0" encoding="utf-8"?>
 <p:sld xmlns:a="http://schemas.openxmlformats.org/drawingml/2006/main" xmlns:r="http://schemas.openxmlformats.org/officeDocument/2006/relationships" xmlns:p="http://schemas.openxmlformats.org/presentationml/2006/main">
   <p:cSld>
     <p:spTree>
@@ -33789,7 +33931,211 @@
 </p:sld>
 </file>
 
-<file path=ppt/slides/slide23.xml><?xml version="1.0" encoding="utf-8"?>
+<file path=ppt/slides/slide24.xml><?xml version="1.0" encoding="utf-8"?>
+<p:sld xmlns:a="http://schemas.openxmlformats.org/drawingml/2006/main" xmlns:r="http://schemas.openxmlformats.org/officeDocument/2006/relationships" xmlns:p="http://schemas.openxmlformats.org/presentationml/2006/main">
+  <p:cSld>
+    <p:spTree>
+      <p:nvGrpSpPr>
+        <p:cNvPr id="1" name=""/>
+        <p:cNvGrpSpPr/>
+        <p:nvPr/>
+      </p:nvGrpSpPr>
+      <p:grpSpPr>
+        <a:xfrm>
+          <a:off x="0" y="0"/>
+          <a:ext cx="0" cy="0"/>
+          <a:chOff x="0" y="0"/>
+          <a:chExt cx="0" cy="0"/>
+        </a:xfrm>
+      </p:grpSpPr>
+      <p:sp>
+        <p:nvSpPr>
+          <p:cNvPr id="7" name="Title 6"/>
+          <p:cNvSpPr>
+            <a:spLocks noGrp="1"/>
+          </p:cNvSpPr>
+          <p:nvPr>
+            <p:ph type="title"/>
+          </p:nvPr>
+        </p:nvSpPr>
+        <p:spPr/>
+        <p:txBody>
+          <a:bodyPr/>
+          <a:lstStyle/>
+          <a:p>
+            <a:r>
+              <a:rPr lang="en-US" dirty="0"/>
+              <a:t>Summary</a:t>
+            </a:r>
+          </a:p>
+        </p:txBody>
+      </p:sp>
+      <p:sp>
+        <p:nvSpPr>
+          <p:cNvPr id="8" name="Content Placeholder 7"/>
+          <p:cNvSpPr>
+            <a:spLocks noGrp="1"/>
+          </p:cNvSpPr>
+          <p:nvPr>
+            <p:ph sz="quarter" idx="12"/>
+          </p:nvPr>
+        </p:nvSpPr>
+        <p:spPr/>
+        <p:txBody>
+          <a:bodyPr/>
+          <a:lstStyle/>
+          <a:p>
+            <a:r>
+              <a:rPr lang="en-US" sz="2000" dirty="0"/>
+              <a:t>It‘s all about </a:t>
+            </a:r>
+            <a:r>
+              <a:rPr lang="en-US" sz="2000" dirty="0" err="1"/>
+              <a:t>Microservices</a:t>
+            </a:r>
+            <a:endParaRPr lang="en-US" sz="2000" dirty="0"/>
+          </a:p>
+          <a:p>
+            <a:pPr lvl="1"/>
+            <a:r>
+              <a:rPr lang="en-US" sz="1400" dirty="0"/>
+              <a:t>Specialized services working together to form a customer solution</a:t>
+            </a:r>
+          </a:p>
+          <a:p>
+            <a:pPr>
+              <a:spcBef>
+                <a:spcPts val="1200"/>
+              </a:spcBef>
+            </a:pPr>
+            <a:r>
+              <a:rPr lang="en-US" sz="2000" dirty="0"/>
+              <a:t>Resources on demand</a:t>
+            </a:r>
+          </a:p>
+          <a:p>
+            <a:pPr lvl="1"/>
+            <a:r>
+              <a:rPr lang="en-US" sz="1400" dirty="0"/>
+              <a:t>How much does your software cost if it is in standby?</a:t>
+            </a:r>
+          </a:p>
+          <a:p>
+            <a:pPr>
+              <a:spcBef>
+                <a:spcPts val="1200"/>
+              </a:spcBef>
+            </a:pPr>
+            <a:r>
+              <a:rPr lang="en-US" sz="2000" dirty="0" err="1">
+                <a:hlinkClick r:id="rId2"/>
+              </a:rPr>
+              <a:t>Idempotency</a:t>
+            </a:r>
+            <a:endParaRPr lang="en-US" sz="2000" dirty="0"/>
+          </a:p>
+          <a:p>
+            <a:pPr lvl="1"/>
+            <a:r>
+              <a:rPr lang="en-US" sz="1400" dirty="0"/>
+              <a:t>There are no transactions </a:t>
+            </a:r>
+            <a:r>
+              <a:rPr lang="en-US" sz="1400" dirty="0">
+                <a:sym typeface="Wingdings" panose="05000000000000000000" pitchFamily="2" charset="2"/>
+              </a:rPr>
+              <a:t> when in doubt, send again</a:t>
+            </a:r>
+          </a:p>
+          <a:p>
+            <a:pPr>
+              <a:spcBef>
+                <a:spcPts val="1200"/>
+              </a:spcBef>
+            </a:pPr>
+            <a:r>
+              <a:rPr lang="en-US" sz="2000" dirty="0">
+                <a:sym typeface="Wingdings" panose="05000000000000000000" pitchFamily="2" charset="2"/>
+              </a:rPr>
+              <a:t>Prepare for failures</a:t>
+            </a:r>
+          </a:p>
+          <a:p>
+            <a:pPr lvl="1"/>
+            <a:r>
+              <a:rPr lang="en-US" sz="1400" dirty="0">
+                <a:sym typeface="Wingdings" panose="05000000000000000000" pitchFamily="2" charset="2"/>
+              </a:rPr>
+              <a:t>Out-of-sync issues, unreliable networks, servers constantly change, etc.</a:t>
+            </a:r>
+          </a:p>
+          <a:p>
+            <a:pPr lvl="1"/>
+            <a:r>
+              <a:rPr lang="en-US" sz="1400" dirty="0">
+                <a:sym typeface="Wingdings" panose="05000000000000000000" pitchFamily="2" charset="2"/>
+              </a:rPr>
+              <a:t>Importance of logging and telemetry</a:t>
+            </a:r>
+          </a:p>
+          <a:p>
+            <a:pPr>
+              <a:spcBef>
+                <a:spcPts val="1200"/>
+              </a:spcBef>
+            </a:pPr>
+            <a:r>
+              <a:rPr lang="en-US" sz="2000" dirty="0">
+                <a:sym typeface="Wingdings" panose="05000000000000000000" pitchFamily="2" charset="2"/>
+              </a:rPr>
+              <a:t>Learn and implement OpenID Connect</a:t>
+            </a:r>
+          </a:p>
+          <a:p>
+            <a:pPr lvl="1"/>
+            <a:r>
+              <a:rPr lang="en-US" sz="1400" dirty="0"/>
+              <a:t>AAD is an easy-to-use option</a:t>
+            </a:r>
+          </a:p>
+        </p:txBody>
+      </p:sp>
+      <p:sp>
+        <p:nvSpPr>
+          <p:cNvPr id="9" name="Text Placeholder 8"/>
+          <p:cNvSpPr>
+            <a:spLocks noGrp="1"/>
+          </p:cNvSpPr>
+          <p:nvPr>
+            <p:ph type="body" sz="quarter" idx="23"/>
+          </p:nvPr>
+        </p:nvSpPr>
+        <p:spPr/>
+        <p:txBody>
+          <a:bodyPr/>
+          <a:lstStyle/>
+          <a:p>
+            <a:endParaRPr lang="en-US" dirty="0"/>
+          </a:p>
+        </p:txBody>
+      </p:sp>
+    </p:spTree>
+    <p:extLst>
+      <p:ext uri="{BB962C8B-B14F-4D97-AF65-F5344CB8AC3E}">
+        <p14:creationId xmlns:p14="http://schemas.microsoft.com/office/powerpoint/2010/main" val="3047614886"/>
+      </p:ext>
+    </p:extLst>
+  </p:cSld>
+  <p:clrMapOvr>
+    <a:masterClrMapping/>
+  </p:clrMapOvr>
+  <p:transition spd="slow">
+    <p:push/>
+  </p:transition>
+</p:sld>
+</file>
+
+<file path=ppt/slides/slide25.xml><?xml version="1.0" encoding="utf-8"?>
 <p:sld xmlns:a="http://schemas.openxmlformats.org/drawingml/2006/main" xmlns:r="http://schemas.openxmlformats.org/officeDocument/2006/relationships" xmlns:p="http://schemas.openxmlformats.org/presentationml/2006/main">
   <p:cSld>
     <p:spTree>
@@ -34050,6 +34396,218 @@
 </file>
 
 <file path=ppt/slides/slide3.xml><?xml version="1.0" encoding="utf-8"?>
+<p:sld xmlns:a="http://schemas.openxmlformats.org/drawingml/2006/main" xmlns:r="http://schemas.openxmlformats.org/officeDocument/2006/relationships" xmlns:p="http://schemas.openxmlformats.org/presentationml/2006/main" showMasterPhAnim="0">
+  <p:cSld>
+    <p:spTree>
+      <p:nvGrpSpPr>
+        <p:cNvPr id="1" name=""/>
+        <p:cNvGrpSpPr/>
+        <p:nvPr/>
+      </p:nvGrpSpPr>
+      <p:grpSpPr>
+        <a:xfrm>
+          <a:off x="0" y="0"/>
+          <a:ext cx="0" cy="0"/>
+          <a:chOff x="0" y="0"/>
+          <a:chExt cx="0" cy="0"/>
+        </a:xfrm>
+      </p:grpSpPr>
+      <p:sp>
+        <p:nvSpPr>
+          <p:cNvPr id="2" name="Titel 1"/>
+          <p:cNvSpPr>
+            <a:spLocks noGrp="1"/>
+          </p:cNvSpPr>
+          <p:nvPr>
+            <p:ph type="title"/>
+          </p:nvPr>
+        </p:nvSpPr>
+        <p:spPr/>
+        <p:txBody>
+          <a:bodyPr/>
+          <a:lstStyle/>
+          <a:p>
+            <a:r>
+              <a:rPr lang="en-US" dirty="0"/>
+              <a:t>Your Host</a:t>
+            </a:r>
+          </a:p>
+        </p:txBody>
+      </p:sp>
+      <p:sp>
+        <p:nvSpPr>
+          <p:cNvPr id="3" name="Inhaltsplatzhalter 2"/>
+          <p:cNvSpPr>
+            <a:spLocks noGrp="1"/>
+          </p:cNvSpPr>
+          <p:nvPr>
+            <p:ph sz="quarter" idx="12"/>
+          </p:nvPr>
+        </p:nvSpPr>
+        <p:spPr/>
+        <p:txBody>
+          <a:bodyPr/>
+          <a:lstStyle/>
+          <a:p>
+            <a:r>
+              <a:rPr lang="en-US" dirty="0"/>
+              <a:t>Rainer Stropek</a:t>
+            </a:r>
+          </a:p>
+          <a:p>
+            <a:pPr lvl="1"/>
+            <a:r>
+              <a:rPr lang="en-US" dirty="0"/>
+              <a:t>Developer, Entrepreneur</a:t>
+            </a:r>
+          </a:p>
+          <a:p>
+            <a:pPr lvl="1"/>
+            <a:r>
+              <a:rPr lang="en-US" dirty="0"/>
+              <a:t>Azure MVP, MS Regional Director</a:t>
+            </a:r>
+          </a:p>
+          <a:p>
+            <a:pPr lvl="1"/>
+            <a:r>
+              <a:rPr lang="en-US" dirty="0"/>
+              <a:t>IT-Visions</a:t>
+            </a:r>
+          </a:p>
+          <a:p>
+            <a:r>
+              <a:rPr lang="en-US" dirty="0"/>
+              <a:t>Contact</a:t>
+            </a:r>
+          </a:p>
+          <a:p>
+            <a:pPr lvl="1"/>
+            <a:r>
+              <a:rPr lang="en-US" dirty="0"/>
+              <a:t>software architects </a:t>
+            </a:r>
+            <a:r>
+              <a:rPr lang="en-US" dirty="0" err="1"/>
+              <a:t>gmbh</a:t>
+            </a:r>
+            <a:br>
+              <a:rPr lang="en-US" dirty="0"/>
+            </a:br>
+            <a:r>
+              <a:rPr lang="en-US" dirty="0">
+                <a:hlinkClick r:id="rId2"/>
+              </a:rPr>
+              <a:t>rainer@timecockpit.com</a:t>
+            </a:r>
+            <a:br>
+              <a:rPr lang="en-US" dirty="0"/>
+            </a:br>
+            <a:r>
+              <a:rPr lang="en-US" dirty="0"/>
+              <a:t>Twitter: @</a:t>
+            </a:r>
+            <a:r>
+              <a:rPr lang="en-US" dirty="0" err="1"/>
+              <a:t>rstropek</a:t>
+            </a:r>
+            <a:endParaRPr lang="en-US" dirty="0"/>
+          </a:p>
+        </p:txBody>
+      </p:sp>
+      <p:pic>
+        <p:nvPicPr>
+          <p:cNvPr id="16" name="Inhaltsplatzhalter 15"/>
+          <p:cNvPicPr>
+            <a:picLocks noGrp="1" noChangeAspect="1"/>
+          </p:cNvPicPr>
+          <p:nvPr>
+            <p:ph sz="quarter" idx="13"/>
+          </p:nvPr>
+        </p:nvPicPr>
+        <p:blipFill>
+          <a:blip r:embed="rId3" cstate="email">
+            <a:extLst>
+              <a:ext uri="{28A0092B-C50C-407E-A947-70E740481C1C}">
+                <a14:useLocalDpi xmlns:a14="http://schemas.microsoft.com/office/drawing/2010/main" val="0"/>
+              </a:ext>
+            </a:extLst>
+          </a:blip>
+          <a:stretch>
+            <a:fillRect/>
+          </a:stretch>
+        </p:blipFill>
+        <p:spPr>
+          <a:xfrm>
+            <a:off x="5076131" y="1275607"/>
+            <a:ext cx="3240285" cy="2160190"/>
+          </a:xfrm>
+        </p:spPr>
+      </p:pic>
+      <p:sp>
+        <p:nvSpPr>
+          <p:cNvPr id="20" name="Textplatzhalter 19"/>
+          <p:cNvSpPr>
+            <a:spLocks noGrp="1"/>
+          </p:cNvSpPr>
+          <p:nvPr>
+            <p:ph type="body" sz="quarter" idx="23"/>
+          </p:nvPr>
+        </p:nvSpPr>
+        <p:spPr/>
+        <p:txBody>
+          <a:bodyPr/>
+          <a:lstStyle/>
+          <a:p>
+            <a:endParaRPr lang="en-US"/>
+          </a:p>
+        </p:txBody>
+      </p:sp>
+      <p:sp>
+        <p:nvSpPr>
+          <p:cNvPr id="21" name="Textplatzhalter 20"/>
+          <p:cNvSpPr>
+            <a:spLocks noGrp="1"/>
+          </p:cNvSpPr>
+          <p:nvPr>
+            <p:ph type="body" sz="quarter" idx="24"/>
+          </p:nvPr>
+        </p:nvSpPr>
+        <p:spPr/>
+        <p:txBody>
+          <a:bodyPr/>
+          <a:lstStyle/>
+          <a:p>
+            <a:endParaRPr lang="en-US"/>
+          </a:p>
+        </p:txBody>
+      </p:sp>
+    </p:spTree>
+    <p:extLst>
+      <p:ext uri="{BB962C8B-B14F-4D97-AF65-F5344CB8AC3E}">
+        <p14:creationId xmlns:p14="http://schemas.microsoft.com/office/powerpoint/2010/main" val="3721104785"/>
+      </p:ext>
+    </p:extLst>
+  </p:cSld>
+  <p:clrMapOvr>
+    <a:masterClrMapping/>
+  </p:clrMapOvr>
+  <mc:AlternateContent xmlns:mc="http://schemas.openxmlformats.org/markup-compatibility/2006" xmlns:p14="http://schemas.microsoft.com/office/powerpoint/2010/main">
+    <mc:Choice Requires="p14">
+      <p:transition spd="med" p14:dur="700">
+        <p:fade/>
+      </p:transition>
+    </mc:Choice>
+    <mc:Fallback xmlns="">
+      <p:transition spd="med">
+        <p:fade/>
+      </p:transition>
+    </mc:Fallback>
+  </mc:AlternateContent>
+</p:sld>
+</file>
+
+<file path=ppt/slides/slide4.xml><?xml version="1.0" encoding="utf-8"?>
 <p:sld xmlns:a="http://schemas.openxmlformats.org/drawingml/2006/main" xmlns:r="http://schemas.openxmlformats.org/officeDocument/2006/relationships" xmlns:p="http://schemas.openxmlformats.org/presentationml/2006/main">
   <p:cSld>
     <p:spTree>
@@ -34138,8 +34696,13 @@
             <a:pPr lvl="1"/>
             <a:r>
               <a:rPr lang="en-US" dirty="0"/>
-              <a:t>Integrate SaaS applications</a:t>
-            </a:r>
+              <a:t>Integrate SaaS </a:t>
+            </a:r>
+            <a:r>
+              <a:rPr lang="en-US" dirty="0" err="1"/>
+              <a:t>Microservices</a:t>
+            </a:r>
+            <a:endParaRPr lang="en-US" dirty="0"/>
           </a:p>
           <a:p>
             <a:r>
@@ -34236,7 +34799,7 @@
       </p:sp>
       <p:pic>
         <p:nvPicPr>
-          <p:cNvPr id="1026" name="Picture 2" descr="https://www.timecockpit.com/media/5717711c-4f5d-44d3-abc2-c31bcfa8148d/c-eUJg/time_cockpit/blog/2016/04/timecockpit-zendesk-webjob.png"/>
+          <p:cNvPr id="1026" name="Picture 2"/>
           <p:cNvPicPr>
             <a:picLocks noChangeAspect="1" noChangeArrowheads="1"/>
           </p:cNvPicPr>
@@ -34250,7 +34813,6 @@
               </a:ext>
             </a:extLst>
           </a:blip>
-          <a:srcRect/>
           <a:stretch>
             <a:fillRect/>
           </a:stretch>
@@ -34258,12 +34820,11 @@
         <p:spPr bwMode="auto">
           <a:xfrm>
             <a:off x="647203" y="685362"/>
-            <a:ext cx="4399811" cy="1168700"/>
+            <a:ext cx="4399810" cy="1168700"/>
           </a:xfrm>
           <a:prstGeom prst="rect">
             <a:avLst/>
           </a:prstGeom>
-          <a:noFill/>
           <a:extLst>
             <a:ext uri="{909E8E84-426E-40DD-AFC4-6F175D3DCCD1}">
               <a14:hiddenFill xmlns:a14="http://schemas.microsoft.com/office/drawing/2010/main">
@@ -34277,7 +34838,7 @@
       </p:pic>
       <p:pic>
         <p:nvPicPr>
-          <p:cNvPr id="1028" name="Picture 4" descr="https://www.timecockpit.com/media/546f0fa2-64a7-47ba-89db-5d32a96599fa/5NnBOQ/time_cockpit/blog/2016/04/time-cockpit-email-notification.png"/>
+          <p:cNvPr id="1028" name="Picture 4"/>
           <p:cNvPicPr>
             <a:picLocks noChangeAspect="1" noChangeArrowheads="1"/>
           </p:cNvPicPr>
@@ -34291,7 +34852,6 @@
               </a:ext>
             </a:extLst>
           </a:blip>
-          <a:srcRect/>
           <a:stretch>
             <a:fillRect/>
           </a:stretch>
@@ -34299,7 +34859,7 @@
         <p:spPr bwMode="auto">
           <a:xfrm>
             <a:off x="647203" y="2834534"/>
-            <a:ext cx="4399811" cy="1417908"/>
+            <a:ext cx="4399811" cy="1417907"/>
           </a:xfrm>
           <a:prstGeom prst="rect">
             <a:avLst/>
@@ -34332,7 +34892,7 @@
 </p:sld>
 </file>
 
-<file path=ppt/slides/slide4.xml><?xml version="1.0" encoding="utf-8"?>
+<file path=ppt/slides/slide5.xml><?xml version="1.0" encoding="utf-8"?>
 <p:sld xmlns:a="http://schemas.openxmlformats.org/drawingml/2006/main" xmlns:r="http://schemas.openxmlformats.org/officeDocument/2006/relationships" xmlns:p="http://schemas.openxmlformats.org/presentationml/2006/main">
   <p:cSld>
     <p:spTree>
@@ -34551,7 +35111,7 @@
 </p:sld>
 </file>
 
-<file path=ppt/slides/slide5.xml><?xml version="1.0" encoding="utf-8"?>
+<file path=ppt/slides/slide6.xml><?xml version="1.0" encoding="utf-8"?>
 <p:sld xmlns:a="http://schemas.openxmlformats.org/drawingml/2006/main" xmlns:r="http://schemas.openxmlformats.org/officeDocument/2006/relationships" xmlns:p="http://schemas.openxmlformats.org/presentationml/2006/main">
   <p:cSld>
     <p:spTree>
@@ -34681,177 +35241,6 @@
     <p:extLst>
       <p:ext uri="{BB962C8B-B14F-4D97-AF65-F5344CB8AC3E}">
         <p14:creationId xmlns:p14="http://schemas.microsoft.com/office/powerpoint/2010/main" val="3382251706"/>
-      </p:ext>
-    </p:extLst>
-  </p:cSld>
-  <p:clrMapOvr>
-    <a:masterClrMapping/>
-  </p:clrMapOvr>
-  <p:transition spd="slow">
-    <p:push/>
-  </p:transition>
-</p:sld>
-</file>
-
-<file path=ppt/slides/slide6.xml><?xml version="1.0" encoding="utf-8"?>
-<p:sld xmlns:a="http://schemas.openxmlformats.org/drawingml/2006/main" xmlns:r="http://schemas.openxmlformats.org/officeDocument/2006/relationships" xmlns:p="http://schemas.openxmlformats.org/presentationml/2006/main">
-  <p:cSld>
-    <p:spTree>
-      <p:nvGrpSpPr>
-        <p:cNvPr id="1" name=""/>
-        <p:cNvGrpSpPr/>
-        <p:nvPr/>
-      </p:nvGrpSpPr>
-      <p:grpSpPr>
-        <a:xfrm>
-          <a:off x="0" y="0"/>
-          <a:ext cx="0" cy="0"/>
-          <a:chOff x="0" y="0"/>
-          <a:chExt cx="0" cy="0"/>
-        </a:xfrm>
-      </p:grpSpPr>
-      <p:sp>
-        <p:nvSpPr>
-          <p:cNvPr id="6" name="Title 5"/>
-          <p:cNvSpPr>
-            <a:spLocks noGrp="1"/>
-          </p:cNvSpPr>
-          <p:nvPr>
-            <p:ph type="title"/>
-          </p:nvPr>
-        </p:nvSpPr>
-        <p:spPr/>
-        <p:txBody>
-          <a:bodyPr/>
-          <a:lstStyle/>
-          <a:p>
-            <a:r>
-              <a:rPr lang="en-US" dirty="0"/>
-              <a:t>Getting Started</a:t>
-            </a:r>
-          </a:p>
-        </p:txBody>
-      </p:sp>
-      <p:sp>
-        <p:nvSpPr>
-          <p:cNvPr id="7" name="Content Placeholder 6"/>
-          <p:cNvSpPr>
-            <a:spLocks noGrp="1"/>
-          </p:cNvSpPr>
-          <p:nvPr>
-            <p:ph sz="quarter" idx="12"/>
-          </p:nvPr>
-        </p:nvSpPr>
-        <p:spPr/>
-        <p:txBody>
-          <a:bodyPr/>
-          <a:lstStyle/>
-          <a:p>
-            <a:r>
-              <a:rPr lang="en-US" dirty="0">
-                <a:hlinkClick r:id="rId2"/>
-              </a:rPr>
-              <a:t>https://functions.azure.com/signin</a:t>
-            </a:r>
-            <a:endParaRPr lang="en-US" dirty="0"/>
-          </a:p>
-          <a:p>
-            <a:pPr lvl="1"/>
-            <a:r>
-              <a:rPr lang="en-US" dirty="0"/>
-              <a:t>SDK on GitHub: </a:t>
-            </a:r>
-            <a:r>
-              <a:rPr lang="en-US" dirty="0">
-                <a:hlinkClick r:id="rId3"/>
-              </a:rPr>
-              <a:t>https://github.com/azure/azure-webjobs-sdk-script</a:t>
-            </a:r>
-            <a:endParaRPr lang="en-US" dirty="0"/>
-          </a:p>
-          <a:p>
-            <a:r>
-              <a:rPr lang="en-US" dirty="0"/>
-              <a:t>Functions ≈ </a:t>
-            </a:r>
-            <a:r>
-              <a:rPr lang="en-US" dirty="0" err="1"/>
-              <a:t>WebJobs</a:t>
-            </a:r>
-            <a:r>
-              <a:rPr lang="en-US" dirty="0"/>
-              <a:t> on steroids</a:t>
-            </a:r>
-          </a:p>
-          <a:p>
-            <a:pPr lvl="1"/>
-            <a:r>
-              <a:rPr lang="en-US" dirty="0"/>
-              <a:t>Scripting, Web UI</a:t>
-            </a:r>
-          </a:p>
-          <a:p>
-            <a:r>
-              <a:rPr lang="en-US" dirty="0"/>
-              <a:t>Functions are implemented using </a:t>
-            </a:r>
-            <a:r>
-              <a:rPr lang="en-US" dirty="0">
-                <a:hlinkClick r:id="rId4"/>
-              </a:rPr>
-              <a:t>Azure App Services</a:t>
-            </a:r>
-            <a:endParaRPr lang="en-US" dirty="0"/>
-          </a:p>
-          <a:p>
-            <a:pPr lvl="1"/>
-            <a:r>
-              <a:rPr lang="en-US" dirty="0"/>
-              <a:t>Good to be familiar with App Services when working with Functions</a:t>
-            </a:r>
-          </a:p>
-          <a:p>
-            <a:pPr lvl="1"/>
-            <a:r>
-              <a:rPr lang="en-US" dirty="0"/>
-              <a:t>See also </a:t>
-            </a:r>
-            <a:r>
-              <a:rPr lang="en-US" dirty="0">
-                <a:hlinkClick r:id="rId5"/>
-              </a:rPr>
-              <a:t>https://rstropek.github.io/DotNetSummitAzureAppServices/</a:t>
-            </a:r>
-            <a:endParaRPr lang="en-US" dirty="0"/>
-          </a:p>
-          <a:p>
-            <a:endParaRPr lang="en-US" dirty="0"/>
-          </a:p>
-        </p:txBody>
-      </p:sp>
-      <p:sp>
-        <p:nvSpPr>
-          <p:cNvPr id="8" name="Text Placeholder 7"/>
-          <p:cNvSpPr>
-            <a:spLocks noGrp="1"/>
-          </p:cNvSpPr>
-          <p:nvPr>
-            <p:ph type="body" sz="quarter" idx="23"/>
-          </p:nvPr>
-        </p:nvSpPr>
-        <p:spPr/>
-        <p:txBody>
-          <a:bodyPr/>
-          <a:lstStyle/>
-          <a:p>
-            <a:endParaRPr lang="en-US" dirty="0"/>
-          </a:p>
-        </p:txBody>
-      </p:sp>
-    </p:spTree>
-    <p:extLst>
-      <p:ext uri="{BB962C8B-B14F-4D97-AF65-F5344CB8AC3E}">
-        <p14:creationId xmlns:p14="http://schemas.microsoft.com/office/powerpoint/2010/main" val="834366253"/>
       </p:ext>
     </p:extLst>
   </p:cSld>
@@ -34883,7 +35272,7 @@
       </p:grpSpPr>
       <p:sp>
         <p:nvSpPr>
-          <p:cNvPr id="2" name="Title 1"/>
+          <p:cNvPr id="6" name="Title 5"/>
           <p:cNvSpPr>
             <a:spLocks noGrp="1"/>
           </p:cNvSpPr>
@@ -34897,28 +35286,15 @@
           <a:lstStyle/>
           <a:p>
             <a:r>
-              <a:rPr lang="de-AT" dirty="0"/>
-              <a:t>Azure </a:t>
-            </a:r>
-            <a:r>
-              <a:rPr lang="de-AT" dirty="0" err="1"/>
-              <a:t>Functions</a:t>
-            </a:r>
-            <a:r>
-              <a:rPr lang="de-AT" dirty="0"/>
-              <a:t> </a:t>
-            </a:r>
-            <a:r>
-              <a:rPr lang="de-AT" dirty="0" err="1"/>
-              <a:t>Characteristics</a:t>
-            </a:r>
-            <a:endParaRPr lang="de-AT" dirty="0"/>
+              <a:rPr lang="en-US" dirty="0"/>
+              <a:t>Getting Started</a:t>
+            </a:r>
           </a:p>
         </p:txBody>
       </p:sp>
       <p:sp>
         <p:nvSpPr>
-          <p:cNvPr id="3" name="Content Placeholder 2"/>
+          <p:cNvPr id="7" name="Content Placeholder 6"/>
           <p:cNvSpPr>
             <a:spLocks noGrp="1"/>
           </p:cNvSpPr>
@@ -34932,114 +35308,90 @@
           <a:lstStyle/>
           <a:p>
             <a:r>
-              <a:rPr lang="en-US" sz="2000" dirty="0"/>
-              <a:t>Choice of language</a:t>
-            </a:r>
+              <a:rPr lang="en-US" dirty="0">
+                <a:hlinkClick r:id="rId2"/>
+              </a:rPr>
+              <a:t>https://functions.azure.com/signin</a:t>
+            </a:r>
+            <a:endParaRPr lang="en-US" dirty="0"/>
           </a:p>
           <a:p>
             <a:pPr lvl="1"/>
             <a:r>
-              <a:rPr lang="en-US" sz="1400" dirty="0"/>
-              <a:t>C#, Node.js, Python, F#, PHP, batch, bash, Java, or any executable</a:t>
-            </a:r>
-          </a:p>
-          <a:p>
-            <a:pPr>
-              <a:spcBef>
-                <a:spcPts val="1200"/>
-              </a:spcBef>
-            </a:pPr>
-            <a:r>
-              <a:rPr lang="en-US" sz="2000" dirty="0"/>
-              <a:t>Pay-per-use pricing model</a:t>
+              <a:rPr lang="en-US" dirty="0"/>
+              <a:t>SDK on GitHub: </a:t>
+            </a:r>
+            <a:r>
+              <a:rPr lang="en-US" dirty="0">
+                <a:hlinkClick r:id="rId3"/>
+              </a:rPr>
+              <a:t>https://github.com/azure/azure-webjobs-sdk-script</a:t>
+            </a:r>
+            <a:endParaRPr lang="en-US" dirty="0"/>
+          </a:p>
+          <a:p>
+            <a:r>
+              <a:rPr lang="en-US" dirty="0"/>
+              <a:t>Functions ≈ </a:t>
+            </a:r>
+            <a:r>
+              <a:rPr lang="en-US" dirty="0" err="1"/>
+              <a:t>WebJobs</a:t>
+            </a:r>
+            <a:r>
+              <a:rPr lang="en-US" dirty="0"/>
+              <a:t> on steroids</a:t>
             </a:r>
           </a:p>
           <a:p>
             <a:pPr lvl="1"/>
             <a:r>
-              <a:rPr lang="en-US" sz="1400" dirty="0"/>
-              <a:t>Dynamic App Service Plan</a:t>
-            </a:r>
-          </a:p>
-          <a:p>
-            <a:pPr>
-              <a:spcBef>
-                <a:spcPts val="1200"/>
-              </a:spcBef>
-            </a:pPr>
-            <a:r>
-              <a:rPr lang="en-US" sz="2000" dirty="0"/>
-              <a:t>Support for </a:t>
-            </a:r>
-            <a:r>
-              <a:rPr lang="en-US" sz="2000" dirty="0" err="1"/>
-              <a:t>NuGet</a:t>
-            </a:r>
-            <a:r>
-              <a:rPr lang="en-US" sz="2000" dirty="0"/>
-              <a:t> and NPM</a:t>
-            </a:r>
-          </a:p>
-          <a:p>
-            <a:pPr>
-              <a:spcBef>
-                <a:spcPts val="1200"/>
-              </a:spcBef>
-            </a:pPr>
-            <a:r>
-              <a:rPr lang="en-US" sz="2000" dirty="0"/>
-              <a:t>Integrated security</a:t>
-            </a:r>
+              <a:rPr lang="en-US" dirty="0"/>
+              <a:t>Scripting, Web UI</a:t>
+            </a:r>
+          </a:p>
+          <a:p>
+            <a:r>
+              <a:rPr lang="en-US" dirty="0"/>
+              <a:t>Functions are implemented using </a:t>
+            </a:r>
+            <a:r>
+              <a:rPr lang="en-US" dirty="0">
+                <a:hlinkClick r:id="rId4"/>
+              </a:rPr>
+              <a:t>Azure App Services</a:t>
+            </a:r>
+            <a:endParaRPr lang="en-US" dirty="0"/>
           </a:p>
           <a:p>
             <a:pPr lvl="1"/>
             <a:r>
-              <a:rPr lang="en-US" sz="1400" dirty="0"/>
-              <a:t>Support for OAuth providers like AAD, Facebook, Google, Twitter, and Microsoft Account</a:t>
-            </a:r>
-          </a:p>
-          <a:p>
-            <a:pPr>
-              <a:spcBef>
-                <a:spcPts val="1200"/>
-              </a:spcBef>
-            </a:pPr>
-            <a:r>
-              <a:rPr lang="en-US" sz="2000" dirty="0"/>
-              <a:t>Code-less integration</a:t>
-            </a:r>
-          </a:p>
-          <a:p>
-            <a:pPr>
-              <a:spcBef>
-                <a:spcPts val="1200"/>
-              </a:spcBef>
-            </a:pPr>
-            <a:r>
-              <a:rPr lang="en-US" sz="2000" dirty="0"/>
-              <a:t>Flexible development</a:t>
+              <a:rPr lang="en-US" dirty="0"/>
+              <a:t>Good to be familiar with App Services when working with Functions</a:t>
             </a:r>
           </a:p>
           <a:p>
             <a:pPr lvl="1"/>
             <a:r>
-              <a:rPr lang="en-US" sz="1400" dirty="0"/>
-              <a:t>In-portal editor or set up continuous integration (e.g. GitHub, VSTS, local </a:t>
-            </a:r>
-            <a:r>
-              <a:rPr lang="en-US" sz="1400" dirty="0" err="1"/>
-              <a:t>Git</a:t>
-            </a:r>
-            <a:r>
-              <a:rPr lang="en-US" sz="1400" dirty="0"/>
-              <a:t> repository)</a:t>
-            </a:r>
+              <a:rPr lang="en-US" dirty="0"/>
+              <a:t>See also </a:t>
+            </a:r>
+            <a:r>
+              <a:rPr lang="en-US" dirty="0">
+                <a:hlinkClick r:id="rId5"/>
+              </a:rPr>
+              <a:t>https://rstropek.github.io/DotNetSummitAzureAppServices/</a:t>
+            </a:r>
+            <a:endParaRPr lang="en-US" dirty="0"/>
+          </a:p>
+          <a:p>
+            <a:endParaRPr lang="en-US" dirty="0"/>
           </a:p>
         </p:txBody>
       </p:sp>
       <p:sp>
         <p:nvSpPr>
-          <p:cNvPr id="4" name="Text Placeholder 3"/>
+          <p:cNvPr id="8" name="Text Placeholder 7"/>
           <p:cNvSpPr>
             <a:spLocks noGrp="1"/>
           </p:cNvSpPr>
@@ -35052,14 +35404,14 @@
           <a:bodyPr/>
           <a:lstStyle/>
           <a:p>
-            <a:endParaRPr lang="de-AT"/>
+            <a:endParaRPr lang="en-US" dirty="0"/>
           </a:p>
         </p:txBody>
       </p:sp>
     </p:spTree>
     <p:extLst>
       <p:ext uri="{BB962C8B-B14F-4D97-AF65-F5344CB8AC3E}">
-        <p14:creationId xmlns:p14="http://schemas.microsoft.com/office/powerpoint/2010/main" val="3017147638"/>
+        <p14:creationId xmlns:p14="http://schemas.microsoft.com/office/powerpoint/2010/main" val="834366253"/>
       </p:ext>
     </p:extLst>
   </p:cSld>
@@ -35091,7 +35443,7 @@
       </p:grpSpPr>
       <p:sp>
         <p:nvSpPr>
-          <p:cNvPr id="6" name="Title 5"/>
+          <p:cNvPr id="2" name="Title 1"/>
           <p:cNvSpPr>
             <a:spLocks noGrp="1"/>
           </p:cNvSpPr>
@@ -35106,14 +35458,27 @@
           <a:p>
             <a:r>
               <a:rPr lang="de-AT" dirty="0"/>
-              <a:t>Triggers</a:t>
-            </a:r>
+              <a:t>Azure </a:t>
+            </a:r>
+            <a:r>
+              <a:rPr lang="de-AT" dirty="0" err="1"/>
+              <a:t>Functions</a:t>
+            </a:r>
+            <a:r>
+              <a:rPr lang="de-AT" dirty="0"/>
+              <a:t> </a:t>
+            </a:r>
+            <a:r>
+              <a:rPr lang="de-AT" dirty="0" err="1"/>
+              <a:t>Characteristics</a:t>
+            </a:r>
+            <a:endParaRPr lang="de-AT" dirty="0"/>
           </a:p>
         </p:txBody>
       </p:sp>
       <p:sp>
         <p:nvSpPr>
-          <p:cNvPr id="7" name="Content Placeholder 6"/>
+          <p:cNvPr id="3" name="Content Placeholder 2"/>
           <p:cNvSpPr>
             <a:spLocks noGrp="1"/>
           </p:cNvSpPr>
@@ -35127,76 +35492,114 @@
           <a:lstStyle/>
           <a:p>
             <a:r>
-              <a:rPr lang="de-AT" dirty="0" err="1"/>
-              <a:t>Timer</a:t>
-            </a:r>
-            <a:endParaRPr lang="de-AT" dirty="0"/>
-          </a:p>
-          <a:p>
-            <a:r>
-              <a:rPr lang="de-AT" dirty="0"/>
-              <a:t>HTTP (Web Host)</a:t>
+              <a:rPr lang="en-US" sz="2000" dirty="0"/>
+              <a:t>Choice of language</a:t>
             </a:r>
           </a:p>
           <a:p>
             <a:pPr lvl="1"/>
             <a:r>
-              <a:rPr lang="de-AT" dirty="0"/>
-              <a:t>REST, </a:t>
-            </a:r>
-            <a:r>
-              <a:rPr lang="de-AT" dirty="0" err="1"/>
-              <a:t>Webhook</a:t>
-            </a:r>
-            <a:endParaRPr lang="de-AT" dirty="0"/>
-          </a:p>
-          <a:p>
-            <a:r>
-              <a:rPr lang="de-AT" dirty="0"/>
-              <a:t>Azure Storage</a:t>
+              <a:rPr lang="en-US" sz="1400" dirty="0"/>
+              <a:t>C#, Node.js, Python, F#, PHP, batch, bash, Java, or any executable</a:t>
+            </a:r>
+          </a:p>
+          <a:p>
+            <a:pPr>
+              <a:spcBef>
+                <a:spcPts val="1200"/>
+              </a:spcBef>
+            </a:pPr>
+            <a:r>
+              <a:rPr lang="en-US" sz="2000" dirty="0"/>
+              <a:t>Pay-per-use pricing model</a:t>
             </a:r>
           </a:p>
           <a:p>
             <a:pPr lvl="1"/>
             <a:r>
-              <a:rPr lang="de-AT" dirty="0" err="1"/>
-              <a:t>Blobs</a:t>
-            </a:r>
-            <a:r>
-              <a:rPr lang="de-AT" dirty="0"/>
-              <a:t>, Queues, </a:t>
-            </a:r>
-            <a:r>
-              <a:rPr lang="de-AT" dirty="0" err="1"/>
-              <a:t>Tables</a:t>
-            </a:r>
-            <a:endParaRPr lang="de-AT" dirty="0"/>
-          </a:p>
-          <a:p>
-            <a:r>
-              <a:rPr lang="de-AT" dirty="0"/>
-              <a:t>Service Bus</a:t>
+              <a:rPr lang="en-US" sz="1400" dirty="0"/>
+              <a:t>Dynamic App Service Plan</a:t>
+            </a:r>
+          </a:p>
+          <a:p>
+            <a:pPr>
+              <a:spcBef>
+                <a:spcPts val="1200"/>
+              </a:spcBef>
+            </a:pPr>
+            <a:r>
+              <a:rPr lang="en-US" sz="2000" dirty="0"/>
+              <a:t>Support for </a:t>
+            </a:r>
+            <a:r>
+              <a:rPr lang="en-US" sz="2000" dirty="0" err="1"/>
+              <a:t>NuGet</a:t>
+            </a:r>
+            <a:r>
+              <a:rPr lang="en-US" sz="2000" dirty="0"/>
+              <a:t> and NPM</a:t>
+            </a:r>
+          </a:p>
+          <a:p>
+            <a:pPr>
+              <a:spcBef>
+                <a:spcPts val="1200"/>
+              </a:spcBef>
+            </a:pPr>
+            <a:r>
+              <a:rPr lang="en-US" sz="2000" dirty="0"/>
+              <a:t>Integrated security</a:t>
             </a:r>
           </a:p>
           <a:p>
             <a:pPr lvl="1"/>
             <a:r>
-              <a:rPr lang="de-AT" dirty="0"/>
-              <a:t>Queues, Topics</a:t>
-            </a:r>
-          </a:p>
-          <a:p>
-            <a:r>
-              <a:rPr lang="de-AT" dirty="0" err="1"/>
-              <a:t>DocumentDB</a:t>
-            </a:r>
-            <a:endParaRPr lang="de-AT" dirty="0"/>
+              <a:rPr lang="en-US" sz="1400" dirty="0"/>
+              <a:t>Support for OAuth providers like AAD, Facebook, Google, Twitter, and Microsoft Account</a:t>
+            </a:r>
+          </a:p>
+          <a:p>
+            <a:pPr>
+              <a:spcBef>
+                <a:spcPts val="1200"/>
+              </a:spcBef>
+            </a:pPr>
+            <a:r>
+              <a:rPr lang="en-US" sz="2000" dirty="0"/>
+              <a:t>Code-less integration</a:t>
+            </a:r>
+          </a:p>
+          <a:p>
+            <a:pPr>
+              <a:spcBef>
+                <a:spcPts val="1200"/>
+              </a:spcBef>
+            </a:pPr>
+            <a:r>
+              <a:rPr lang="en-US" sz="2000" dirty="0"/>
+              <a:t>Flexible development</a:t>
+            </a:r>
+          </a:p>
+          <a:p>
+            <a:pPr lvl="1"/>
+            <a:r>
+              <a:rPr lang="en-US" sz="1400" dirty="0"/>
+              <a:t>In-portal editor or set up continuous integration (e.g. GitHub, VSTS, local </a:t>
+            </a:r>
+            <a:r>
+              <a:rPr lang="en-US" sz="1400" dirty="0" err="1"/>
+              <a:t>Git</a:t>
+            </a:r>
+            <a:r>
+              <a:rPr lang="en-US" sz="1400" dirty="0"/>
+              <a:t> repository)</a:t>
+            </a:r>
           </a:p>
         </p:txBody>
       </p:sp>
       <p:sp>
         <p:nvSpPr>
-          <p:cNvPr id="8" name="Text Placeholder 7"/>
+          <p:cNvPr id="4" name="Text Placeholder 3"/>
           <p:cNvSpPr>
             <a:spLocks noGrp="1"/>
           </p:cNvSpPr>
@@ -35209,34 +35612,14 @@
           <a:bodyPr/>
           <a:lstStyle/>
           <a:p>
-            <a:r>
-              <a:rPr lang="de-AT" dirty="0">
-                <a:solidFill>
-                  <a:schemeClr val="accent1"/>
-                </a:solidFill>
-                <a:hlinkClick r:id="rId2"/>
-              </a:rPr>
-              <a:t>Details</a:t>
-            </a:r>
-            <a:br>
-              <a:rPr lang="de-AT" dirty="0">
-                <a:solidFill>
-                  <a:schemeClr val="accent1"/>
-                </a:solidFill>
-              </a:rPr>
-            </a:br>
-            <a:endParaRPr lang="de-AT" dirty="0">
-              <a:solidFill>
-                <a:schemeClr val="accent1"/>
-              </a:solidFill>
-            </a:endParaRPr>
+            <a:endParaRPr lang="de-AT"/>
           </a:p>
         </p:txBody>
       </p:sp>
     </p:spTree>
     <p:extLst>
       <p:ext uri="{BB962C8B-B14F-4D97-AF65-F5344CB8AC3E}">
-        <p14:creationId xmlns:p14="http://schemas.microsoft.com/office/powerpoint/2010/main" val="658977620"/>
+        <p14:creationId xmlns:p14="http://schemas.microsoft.com/office/powerpoint/2010/main" val="3017147638"/>
       </p:ext>
     </p:extLst>
   </p:cSld>
@@ -35268,7 +35651,7 @@
       </p:grpSpPr>
       <p:sp>
         <p:nvSpPr>
-          <p:cNvPr id="2" name="Title 1"/>
+          <p:cNvPr id="6" name="Title 5"/>
           <p:cNvSpPr>
             <a:spLocks noGrp="1"/>
           </p:cNvSpPr>
@@ -35283,14 +35666,14 @@
           <a:p>
             <a:r>
               <a:rPr lang="de-AT" dirty="0"/>
-              <a:t>Dynamic App Service Plan</a:t>
+              <a:t>Triggers</a:t>
             </a:r>
           </a:p>
         </p:txBody>
       </p:sp>
       <p:sp>
         <p:nvSpPr>
-          <p:cNvPr id="3" name="Content Placeholder 2"/>
+          <p:cNvPr id="7" name="Content Placeholder 6"/>
           <p:cNvSpPr>
             <a:spLocks noGrp="1"/>
           </p:cNvSpPr>
@@ -35304,40 +35687,76 @@
           <a:lstStyle/>
           <a:p>
             <a:r>
-              <a:rPr lang="en-US" dirty="0"/>
-              <a:t>Only pay for the time that your code spends running</a:t>
+              <a:rPr lang="de-AT" dirty="0" err="1"/>
+              <a:t>Timer</a:t>
+            </a:r>
+            <a:endParaRPr lang="de-AT" dirty="0"/>
+          </a:p>
+          <a:p>
+            <a:r>
+              <a:rPr lang="de-AT" dirty="0"/>
+              <a:t>HTTP (Web Host)</a:t>
             </a:r>
           </a:p>
           <a:p>
             <a:pPr lvl="1"/>
             <a:r>
-              <a:rPr lang="en-US" dirty="0">
-                <a:hlinkClick r:id="rId2"/>
-              </a:rPr>
-              <a:t>Functions pricing</a:t>
-            </a:r>
-            <a:r>
-              <a:rPr lang="en-US" dirty="0"/>
-              <a:t> (based on “GB-s”, “Gigabyte Seconds”)</a:t>
+              <a:rPr lang="de-AT" dirty="0"/>
+              <a:t>REST, </a:t>
+            </a:r>
+            <a:r>
+              <a:rPr lang="de-AT" dirty="0" err="1"/>
+              <a:t>Webhook</a:t>
+            </a:r>
+            <a:endParaRPr lang="de-AT" dirty="0"/>
+          </a:p>
+          <a:p>
+            <a:r>
+              <a:rPr lang="de-AT" dirty="0"/>
+              <a:t>Azure Storage</a:t>
             </a:r>
           </a:p>
           <a:p>
             <a:pPr lvl="1"/>
             <a:r>
-              <a:rPr lang="de-AT" sz="1200" i="1" dirty="0"/>
-              <a:t>„</a:t>
-            </a:r>
-            <a:r>
-              <a:rPr lang="en-US" sz="1200" i="1" dirty="0"/>
-              <a:t>nearest 100ms at Per/GB price based on the time your function runs and the memory size of the function space you choose”</a:t>
-            </a:r>
-            <a:endParaRPr lang="de-AT" sz="1200" i="1" dirty="0"/>
+              <a:rPr lang="de-AT" dirty="0" err="1"/>
+              <a:t>Blobs</a:t>
+            </a:r>
+            <a:r>
+              <a:rPr lang="de-AT" dirty="0"/>
+              <a:t>, Queues, </a:t>
+            </a:r>
+            <a:r>
+              <a:rPr lang="de-AT" dirty="0" err="1"/>
+              <a:t>Tables</a:t>
+            </a:r>
+            <a:endParaRPr lang="de-AT" dirty="0"/>
+          </a:p>
+          <a:p>
+            <a:r>
+              <a:rPr lang="de-AT" dirty="0"/>
+              <a:t>Service Bus</a:t>
+            </a:r>
+          </a:p>
+          <a:p>
+            <a:pPr lvl="1"/>
+            <a:r>
+              <a:rPr lang="de-AT" dirty="0"/>
+              <a:t>Queues, Topics</a:t>
+            </a:r>
+          </a:p>
+          <a:p>
+            <a:r>
+              <a:rPr lang="de-AT" dirty="0" err="1"/>
+              <a:t>DocumentDB</a:t>
+            </a:r>
+            <a:endParaRPr lang="de-AT" dirty="0"/>
           </a:p>
         </p:txBody>
       </p:sp>
       <p:sp>
         <p:nvSpPr>
-          <p:cNvPr id="4" name="Text Placeholder 3"/>
+          <p:cNvPr id="8" name="Text Placeholder 7"/>
           <p:cNvSpPr>
             <a:spLocks noGrp="1"/>
           </p:cNvSpPr>
@@ -35350,62 +35769,34 @@
           <a:bodyPr/>
           <a:lstStyle/>
           <a:p>
-            <a:endParaRPr lang="de-AT"/>
+            <a:r>
+              <a:rPr lang="de-AT" dirty="0">
+                <a:solidFill>
+                  <a:schemeClr val="accent1"/>
+                </a:solidFill>
+                <a:hlinkClick r:id="rId2"/>
+              </a:rPr>
+              <a:t>Details</a:t>
+            </a:r>
+            <a:br>
+              <a:rPr lang="de-AT" dirty="0">
+                <a:solidFill>
+                  <a:schemeClr val="accent1"/>
+                </a:solidFill>
+              </a:rPr>
+            </a:br>
+            <a:endParaRPr lang="de-AT" dirty="0">
+              <a:solidFill>
+                <a:schemeClr val="accent1"/>
+              </a:solidFill>
+            </a:endParaRPr>
           </a:p>
         </p:txBody>
       </p:sp>
-      <p:pic>
-        <p:nvPicPr>
-          <p:cNvPr id="5" name="Picture 4"/>
-          <p:cNvPicPr>
-            <a:picLocks noChangeAspect="1"/>
-          </p:cNvPicPr>
-          <p:nvPr/>
-        </p:nvPicPr>
-        <p:blipFill>
-          <a:blip r:embed="rId3"/>
-          <a:stretch>
-            <a:fillRect/>
-          </a:stretch>
-        </p:blipFill>
-        <p:spPr>
-          <a:xfrm>
-            <a:off x="876300" y="2377711"/>
-            <a:ext cx="3871869" cy="2583449"/>
-          </a:xfrm>
-          <a:prstGeom prst="rect">
-            <a:avLst/>
-          </a:prstGeom>
-        </p:spPr>
-      </p:pic>
-      <p:pic>
-        <p:nvPicPr>
-          <p:cNvPr id="6" name="Picture 5"/>
-          <p:cNvPicPr>
-            <a:picLocks noChangeAspect="1"/>
-          </p:cNvPicPr>
-          <p:nvPr/>
-        </p:nvPicPr>
-        <p:blipFill>
-          <a:blip r:embed="rId4"/>
-          <a:stretch>
-            <a:fillRect/>
-          </a:stretch>
-        </p:blipFill>
-        <p:spPr>
-          <a:xfrm>
-            <a:off x="4840283" y="3527070"/>
-            <a:ext cx="4052198" cy="1434090"/>
-          </a:xfrm>
-          <a:prstGeom prst="rect">
-            <a:avLst/>
-          </a:prstGeom>
-        </p:spPr>
-      </p:pic>
     </p:spTree>
     <p:extLst>
       <p:ext uri="{BB962C8B-B14F-4D97-AF65-F5344CB8AC3E}">
-        <p14:creationId xmlns:p14="http://schemas.microsoft.com/office/powerpoint/2010/main" val="48069054"/>
+        <p14:creationId xmlns:p14="http://schemas.microsoft.com/office/powerpoint/2010/main" val="658977620"/>
       </p:ext>
     </p:extLst>
   </p:cSld>
